--- a/Working with SQL/Conditional expressions.pptx
+++ b/Working with SQL/Conditional expressions.pptx
@@ -6,6 +6,19 @@
   </p:sldMasterIdLst>
   <p:sldIdLst>
     <p:sldId id="256" r:id="rId2"/>
+    <p:sldId id="257" r:id="rId3"/>
+    <p:sldId id="258" r:id="rId4"/>
+    <p:sldId id="259" r:id="rId5"/>
+    <p:sldId id="260" r:id="rId6"/>
+    <p:sldId id="261" r:id="rId7"/>
+    <p:sldId id="262" r:id="rId8"/>
+    <p:sldId id="263" r:id="rId9"/>
+    <p:sldId id="264" r:id="rId10"/>
+    <p:sldId id="265" r:id="rId11"/>
+    <p:sldId id="266" r:id="rId12"/>
+    <p:sldId id="267" r:id="rId13"/>
+    <p:sldId id="268" r:id="rId14"/>
+    <p:sldId id="269" r:id="rId15"/>
   </p:sldIdLst>
   <p:sldSz cx="12192000" cy="6858000"/>
   <p:notesSz cx="6858000" cy="9144000"/>
@@ -104,6 +117,11 @@
       </a:defRPr>
     </a:lvl9pPr>
   </p:defaultTextStyle>
+  <p:extLst>
+    <p:ext uri="{EFAFB233-063F-42B5-8137-9DF3F51BA10A}">
+      <p15:sldGuideLst xmlns:p15="http://schemas.microsoft.com/office/powerpoint/2012/main"/>
+    </p:ext>
+  </p:extLst>
 </p:presentation>
 </file>
 
@@ -254,7 +272,7 @@
           <a:p>
             <a:fld id="{DE2C5E95-7DE1-46DD-BFC6-4D3310A1AC10}" type="datetimeFigureOut">
               <a:rPr lang="en-US" smtClean="0"/>
-              <a:t>2/4/2023</a:t>
+              <a:t>3/6/2023</a:t>
             </a:fld>
             <a:endParaRPr lang="en-US"/>
           </a:p>
@@ -452,7 +470,7 @@
           <a:p>
             <a:fld id="{DE2C5E95-7DE1-46DD-BFC6-4D3310A1AC10}" type="datetimeFigureOut">
               <a:rPr lang="en-US" smtClean="0"/>
-              <a:t>2/4/2023</a:t>
+              <a:t>3/6/2023</a:t>
             </a:fld>
             <a:endParaRPr lang="en-US"/>
           </a:p>
@@ -660,7 +678,7 @@
           <a:p>
             <a:fld id="{DE2C5E95-7DE1-46DD-BFC6-4D3310A1AC10}" type="datetimeFigureOut">
               <a:rPr lang="en-US" smtClean="0"/>
-              <a:t>2/4/2023</a:t>
+              <a:t>3/6/2023</a:t>
             </a:fld>
             <a:endParaRPr lang="en-US"/>
           </a:p>
@@ -858,7 +876,7 @@
           <a:p>
             <a:fld id="{DE2C5E95-7DE1-46DD-BFC6-4D3310A1AC10}" type="datetimeFigureOut">
               <a:rPr lang="en-US" smtClean="0"/>
-              <a:t>2/4/2023</a:t>
+              <a:t>3/6/2023</a:t>
             </a:fld>
             <a:endParaRPr lang="en-US"/>
           </a:p>
@@ -1133,7 +1151,7 @@
           <a:p>
             <a:fld id="{DE2C5E95-7DE1-46DD-BFC6-4D3310A1AC10}" type="datetimeFigureOut">
               <a:rPr lang="en-US" smtClean="0"/>
-              <a:t>2/4/2023</a:t>
+              <a:t>3/6/2023</a:t>
             </a:fld>
             <a:endParaRPr lang="en-US"/>
           </a:p>
@@ -1398,7 +1416,7 @@
           <a:p>
             <a:fld id="{DE2C5E95-7DE1-46DD-BFC6-4D3310A1AC10}" type="datetimeFigureOut">
               <a:rPr lang="en-US" smtClean="0"/>
-              <a:t>2/4/2023</a:t>
+              <a:t>3/6/2023</a:t>
             </a:fld>
             <a:endParaRPr lang="en-US"/>
           </a:p>
@@ -1810,7 +1828,7 @@
           <a:p>
             <a:fld id="{DE2C5E95-7DE1-46DD-BFC6-4D3310A1AC10}" type="datetimeFigureOut">
               <a:rPr lang="en-US" smtClean="0"/>
-              <a:t>2/4/2023</a:t>
+              <a:t>3/6/2023</a:t>
             </a:fld>
             <a:endParaRPr lang="en-US"/>
           </a:p>
@@ -1951,7 +1969,7 @@
           <a:p>
             <a:fld id="{DE2C5E95-7DE1-46DD-BFC6-4D3310A1AC10}" type="datetimeFigureOut">
               <a:rPr lang="en-US" smtClean="0"/>
-              <a:t>2/4/2023</a:t>
+              <a:t>3/6/2023</a:t>
             </a:fld>
             <a:endParaRPr lang="en-US"/>
           </a:p>
@@ -2064,7 +2082,7 @@
           <a:p>
             <a:fld id="{DE2C5E95-7DE1-46DD-BFC6-4D3310A1AC10}" type="datetimeFigureOut">
               <a:rPr lang="en-US" smtClean="0"/>
-              <a:t>2/4/2023</a:t>
+              <a:t>3/6/2023</a:t>
             </a:fld>
             <a:endParaRPr lang="en-US"/>
           </a:p>
@@ -2375,7 +2393,7 @@
           <a:p>
             <a:fld id="{DE2C5E95-7DE1-46DD-BFC6-4D3310A1AC10}" type="datetimeFigureOut">
               <a:rPr lang="en-US" smtClean="0"/>
-              <a:t>2/4/2023</a:t>
+              <a:t>3/6/2023</a:t>
             </a:fld>
             <a:endParaRPr lang="en-US"/>
           </a:p>
@@ -2663,7 +2681,7 @@
           <a:p>
             <a:fld id="{DE2C5E95-7DE1-46DD-BFC6-4D3310A1AC10}" type="datetimeFigureOut">
               <a:rPr lang="en-US" smtClean="0"/>
-              <a:t>2/4/2023</a:t>
+              <a:t>3/6/2023</a:t>
             </a:fld>
             <a:endParaRPr lang="en-US"/>
           </a:p>
@@ -2904,7 +2922,7 @@
           <a:p>
             <a:fld id="{DE2C5E95-7DE1-46DD-BFC6-4D3310A1AC10}" type="datetimeFigureOut">
               <a:rPr lang="en-US" smtClean="0"/>
-              <a:t>2/4/2023</a:t>
+              <a:t>3/6/2023</a:t>
             </a:fld>
             <a:endParaRPr lang="en-US"/>
           </a:p>
@@ -3371,10 +3389,1500 @@
           </a:p>
         </p:txBody>
       </p:sp>
+      <p:pic>
+        <p:nvPicPr>
+          <p:cNvPr id="5" name="Picture 4">
+            <a:extLst>
+              <a:ext uri="{FF2B5EF4-FFF2-40B4-BE49-F238E27FC236}">
+                <a16:creationId xmlns:a16="http://schemas.microsoft.com/office/drawing/2014/main" id="{80D714B3-4E01-381B-34FB-2C9258CA5934}"/>
+              </a:ext>
+            </a:extLst>
+          </p:cNvPr>
+          <p:cNvPicPr>
+            <a:picLocks noChangeAspect="1"/>
+          </p:cNvPicPr>
+          <p:nvPr/>
+        </p:nvPicPr>
+        <p:blipFill>
+          <a:blip r:embed="rId2"/>
+          <a:stretch>
+            <a:fillRect/>
+          </a:stretch>
+        </p:blipFill>
+        <p:spPr>
+          <a:xfrm>
+            <a:off x="0" y="0"/>
+            <a:ext cx="12192000" cy="6858000"/>
+          </a:xfrm>
+          <a:prstGeom prst="rect">
+            <a:avLst/>
+          </a:prstGeom>
+        </p:spPr>
+      </p:pic>
     </p:spTree>
     <p:extLst>
       <p:ext uri="{BB962C8B-B14F-4D97-AF65-F5344CB8AC3E}">
         <p14:creationId xmlns:p14="http://schemas.microsoft.com/office/powerpoint/2010/main" val="4172029492"/>
+      </p:ext>
+    </p:extLst>
+  </p:cSld>
+  <p:clrMapOvr>
+    <a:masterClrMapping/>
+  </p:clrMapOvr>
+</p:sld>
+</file>
+
+<file path=ppt/slides/slide10.xml><?xml version="1.0" encoding="utf-8"?>
+<p:sld xmlns:a="http://schemas.openxmlformats.org/drawingml/2006/main" xmlns:r="http://schemas.openxmlformats.org/officeDocument/2006/relationships" xmlns:p="http://schemas.openxmlformats.org/presentationml/2006/main">
+  <p:cSld>
+    <p:spTree>
+      <p:nvGrpSpPr>
+        <p:cNvPr id="1" name=""/>
+        <p:cNvGrpSpPr/>
+        <p:nvPr/>
+      </p:nvGrpSpPr>
+      <p:grpSpPr>
+        <a:xfrm>
+          <a:off x="0" y="0"/>
+          <a:ext cx="0" cy="0"/>
+          <a:chOff x="0" y="0"/>
+          <a:chExt cx="0" cy="0"/>
+        </a:xfrm>
+      </p:grpSpPr>
+      <p:sp>
+        <p:nvSpPr>
+          <p:cNvPr id="2" name="Title 1">
+            <a:extLst>
+              <a:ext uri="{FF2B5EF4-FFF2-40B4-BE49-F238E27FC236}">
+                <a16:creationId xmlns:a16="http://schemas.microsoft.com/office/drawing/2014/main" id="{393FA469-DF5F-3A29-F35D-F8EAB659B838}"/>
+              </a:ext>
+            </a:extLst>
+          </p:cNvPr>
+          <p:cNvSpPr>
+            <a:spLocks noGrp="1"/>
+          </p:cNvSpPr>
+          <p:nvPr>
+            <p:ph type="title"/>
+          </p:nvPr>
+        </p:nvSpPr>
+        <p:spPr/>
+        <p:txBody>
+          <a:bodyPr/>
+          <a:lstStyle/>
+          <a:p>
+            <a:endParaRPr lang="en-US"/>
+          </a:p>
+        </p:txBody>
+      </p:sp>
+      <p:sp>
+        <p:nvSpPr>
+          <p:cNvPr id="3" name="Content Placeholder 2">
+            <a:extLst>
+              <a:ext uri="{FF2B5EF4-FFF2-40B4-BE49-F238E27FC236}">
+                <a16:creationId xmlns:a16="http://schemas.microsoft.com/office/drawing/2014/main" id="{A66C9864-0DF3-8F44-1303-AED547EDFEE6}"/>
+              </a:ext>
+            </a:extLst>
+          </p:cNvPr>
+          <p:cNvSpPr>
+            <a:spLocks noGrp="1"/>
+          </p:cNvSpPr>
+          <p:nvPr>
+            <p:ph idx="1"/>
+          </p:nvPr>
+        </p:nvSpPr>
+        <p:spPr/>
+        <p:txBody>
+          <a:bodyPr/>
+          <a:lstStyle/>
+          <a:p>
+            <a:endParaRPr lang="en-US"/>
+          </a:p>
+        </p:txBody>
+      </p:sp>
+      <p:pic>
+        <p:nvPicPr>
+          <p:cNvPr id="5" name="Picture 4">
+            <a:extLst>
+              <a:ext uri="{FF2B5EF4-FFF2-40B4-BE49-F238E27FC236}">
+                <a16:creationId xmlns:a16="http://schemas.microsoft.com/office/drawing/2014/main" id="{258FFD37-BD3B-57B5-E008-1A67EA77692B}"/>
+              </a:ext>
+            </a:extLst>
+          </p:cNvPr>
+          <p:cNvPicPr>
+            <a:picLocks noChangeAspect="1"/>
+          </p:cNvPicPr>
+          <p:nvPr/>
+        </p:nvPicPr>
+        <p:blipFill>
+          <a:blip r:embed="rId2"/>
+          <a:stretch>
+            <a:fillRect/>
+          </a:stretch>
+        </p:blipFill>
+        <p:spPr>
+          <a:xfrm>
+            <a:off x="0" y="0"/>
+            <a:ext cx="12192000" cy="6858000"/>
+          </a:xfrm>
+          <a:prstGeom prst="rect">
+            <a:avLst/>
+          </a:prstGeom>
+        </p:spPr>
+      </p:pic>
+    </p:spTree>
+    <p:extLst>
+      <p:ext uri="{BB962C8B-B14F-4D97-AF65-F5344CB8AC3E}">
+        <p14:creationId xmlns:p14="http://schemas.microsoft.com/office/powerpoint/2010/main" val="3442624136"/>
+      </p:ext>
+    </p:extLst>
+  </p:cSld>
+  <p:clrMapOvr>
+    <a:masterClrMapping/>
+  </p:clrMapOvr>
+</p:sld>
+</file>
+
+<file path=ppt/slides/slide11.xml><?xml version="1.0" encoding="utf-8"?>
+<p:sld xmlns:a="http://schemas.openxmlformats.org/drawingml/2006/main" xmlns:r="http://schemas.openxmlformats.org/officeDocument/2006/relationships" xmlns:p="http://schemas.openxmlformats.org/presentationml/2006/main">
+  <p:cSld>
+    <p:spTree>
+      <p:nvGrpSpPr>
+        <p:cNvPr id="1" name=""/>
+        <p:cNvGrpSpPr/>
+        <p:nvPr/>
+      </p:nvGrpSpPr>
+      <p:grpSpPr>
+        <a:xfrm>
+          <a:off x="0" y="0"/>
+          <a:ext cx="0" cy="0"/>
+          <a:chOff x="0" y="0"/>
+          <a:chExt cx="0" cy="0"/>
+        </a:xfrm>
+      </p:grpSpPr>
+      <p:sp>
+        <p:nvSpPr>
+          <p:cNvPr id="2" name="Title 1">
+            <a:extLst>
+              <a:ext uri="{FF2B5EF4-FFF2-40B4-BE49-F238E27FC236}">
+                <a16:creationId xmlns:a16="http://schemas.microsoft.com/office/drawing/2014/main" id="{101F2E16-0E48-7515-1E83-332E04F5D4C3}"/>
+              </a:ext>
+            </a:extLst>
+          </p:cNvPr>
+          <p:cNvSpPr>
+            <a:spLocks noGrp="1"/>
+          </p:cNvSpPr>
+          <p:nvPr>
+            <p:ph type="title"/>
+          </p:nvPr>
+        </p:nvSpPr>
+        <p:spPr/>
+        <p:txBody>
+          <a:bodyPr/>
+          <a:lstStyle/>
+          <a:p>
+            <a:endParaRPr lang="en-US"/>
+          </a:p>
+        </p:txBody>
+      </p:sp>
+      <p:sp>
+        <p:nvSpPr>
+          <p:cNvPr id="3" name="Content Placeholder 2">
+            <a:extLst>
+              <a:ext uri="{FF2B5EF4-FFF2-40B4-BE49-F238E27FC236}">
+                <a16:creationId xmlns:a16="http://schemas.microsoft.com/office/drawing/2014/main" id="{B1DB4207-CFF0-F6CD-11AD-CF11DDB718A4}"/>
+              </a:ext>
+            </a:extLst>
+          </p:cNvPr>
+          <p:cNvSpPr>
+            <a:spLocks noGrp="1"/>
+          </p:cNvSpPr>
+          <p:nvPr>
+            <p:ph idx="1"/>
+          </p:nvPr>
+        </p:nvSpPr>
+        <p:spPr/>
+        <p:txBody>
+          <a:bodyPr/>
+          <a:lstStyle/>
+          <a:p>
+            <a:endParaRPr lang="en-US"/>
+          </a:p>
+        </p:txBody>
+      </p:sp>
+      <p:pic>
+        <p:nvPicPr>
+          <p:cNvPr id="5" name="Picture 4">
+            <a:extLst>
+              <a:ext uri="{FF2B5EF4-FFF2-40B4-BE49-F238E27FC236}">
+                <a16:creationId xmlns:a16="http://schemas.microsoft.com/office/drawing/2014/main" id="{EF83186C-158F-AAC9-4F6E-1D2A6EB5F1A7}"/>
+              </a:ext>
+            </a:extLst>
+          </p:cNvPr>
+          <p:cNvPicPr>
+            <a:picLocks noChangeAspect="1"/>
+          </p:cNvPicPr>
+          <p:nvPr/>
+        </p:nvPicPr>
+        <p:blipFill>
+          <a:blip r:embed="rId2"/>
+          <a:stretch>
+            <a:fillRect/>
+          </a:stretch>
+        </p:blipFill>
+        <p:spPr>
+          <a:xfrm>
+            <a:off x="0" y="0"/>
+            <a:ext cx="12192000" cy="6858000"/>
+          </a:xfrm>
+          <a:prstGeom prst="rect">
+            <a:avLst/>
+          </a:prstGeom>
+        </p:spPr>
+      </p:pic>
+    </p:spTree>
+    <p:extLst>
+      <p:ext uri="{BB962C8B-B14F-4D97-AF65-F5344CB8AC3E}">
+        <p14:creationId xmlns:p14="http://schemas.microsoft.com/office/powerpoint/2010/main" val="1379356687"/>
+      </p:ext>
+    </p:extLst>
+  </p:cSld>
+  <p:clrMapOvr>
+    <a:masterClrMapping/>
+  </p:clrMapOvr>
+</p:sld>
+</file>
+
+<file path=ppt/slides/slide12.xml><?xml version="1.0" encoding="utf-8"?>
+<p:sld xmlns:a="http://schemas.openxmlformats.org/drawingml/2006/main" xmlns:r="http://schemas.openxmlformats.org/officeDocument/2006/relationships" xmlns:p="http://schemas.openxmlformats.org/presentationml/2006/main">
+  <p:cSld>
+    <p:spTree>
+      <p:nvGrpSpPr>
+        <p:cNvPr id="1" name=""/>
+        <p:cNvGrpSpPr/>
+        <p:nvPr/>
+      </p:nvGrpSpPr>
+      <p:grpSpPr>
+        <a:xfrm>
+          <a:off x="0" y="0"/>
+          <a:ext cx="0" cy="0"/>
+          <a:chOff x="0" y="0"/>
+          <a:chExt cx="0" cy="0"/>
+        </a:xfrm>
+      </p:grpSpPr>
+      <p:sp>
+        <p:nvSpPr>
+          <p:cNvPr id="2" name="Title 1">
+            <a:extLst>
+              <a:ext uri="{FF2B5EF4-FFF2-40B4-BE49-F238E27FC236}">
+                <a16:creationId xmlns:a16="http://schemas.microsoft.com/office/drawing/2014/main" id="{0430B797-AA7B-639E-85D0-17FD637B0F67}"/>
+              </a:ext>
+            </a:extLst>
+          </p:cNvPr>
+          <p:cNvSpPr>
+            <a:spLocks noGrp="1"/>
+          </p:cNvSpPr>
+          <p:nvPr>
+            <p:ph type="title"/>
+          </p:nvPr>
+        </p:nvSpPr>
+        <p:spPr/>
+        <p:txBody>
+          <a:bodyPr/>
+          <a:lstStyle/>
+          <a:p>
+            <a:endParaRPr lang="en-US"/>
+          </a:p>
+        </p:txBody>
+      </p:sp>
+      <p:sp>
+        <p:nvSpPr>
+          <p:cNvPr id="3" name="Content Placeholder 2">
+            <a:extLst>
+              <a:ext uri="{FF2B5EF4-FFF2-40B4-BE49-F238E27FC236}">
+                <a16:creationId xmlns:a16="http://schemas.microsoft.com/office/drawing/2014/main" id="{61A3B993-3FAF-AC25-A3E7-2F838B464918}"/>
+              </a:ext>
+            </a:extLst>
+          </p:cNvPr>
+          <p:cNvSpPr>
+            <a:spLocks noGrp="1"/>
+          </p:cNvSpPr>
+          <p:nvPr>
+            <p:ph idx="1"/>
+          </p:nvPr>
+        </p:nvSpPr>
+        <p:spPr/>
+        <p:txBody>
+          <a:bodyPr/>
+          <a:lstStyle/>
+          <a:p>
+            <a:endParaRPr lang="en-US"/>
+          </a:p>
+        </p:txBody>
+      </p:sp>
+      <p:pic>
+        <p:nvPicPr>
+          <p:cNvPr id="5" name="Picture 4">
+            <a:extLst>
+              <a:ext uri="{FF2B5EF4-FFF2-40B4-BE49-F238E27FC236}">
+                <a16:creationId xmlns:a16="http://schemas.microsoft.com/office/drawing/2014/main" id="{EE2B59EF-87B0-CBB1-673B-F78B00EC99F9}"/>
+              </a:ext>
+            </a:extLst>
+          </p:cNvPr>
+          <p:cNvPicPr>
+            <a:picLocks noChangeAspect="1"/>
+          </p:cNvPicPr>
+          <p:nvPr/>
+        </p:nvPicPr>
+        <p:blipFill>
+          <a:blip r:embed="rId2"/>
+          <a:stretch>
+            <a:fillRect/>
+          </a:stretch>
+        </p:blipFill>
+        <p:spPr>
+          <a:xfrm>
+            <a:off x="0" y="0"/>
+            <a:ext cx="12192000" cy="6858000"/>
+          </a:xfrm>
+          <a:prstGeom prst="rect">
+            <a:avLst/>
+          </a:prstGeom>
+        </p:spPr>
+      </p:pic>
+    </p:spTree>
+    <p:extLst>
+      <p:ext uri="{BB962C8B-B14F-4D97-AF65-F5344CB8AC3E}">
+        <p14:creationId xmlns:p14="http://schemas.microsoft.com/office/powerpoint/2010/main" val="1874445628"/>
+      </p:ext>
+    </p:extLst>
+  </p:cSld>
+  <p:clrMapOvr>
+    <a:masterClrMapping/>
+  </p:clrMapOvr>
+</p:sld>
+</file>
+
+<file path=ppt/slides/slide13.xml><?xml version="1.0" encoding="utf-8"?>
+<p:sld xmlns:a="http://schemas.openxmlformats.org/drawingml/2006/main" xmlns:r="http://schemas.openxmlformats.org/officeDocument/2006/relationships" xmlns:p="http://schemas.openxmlformats.org/presentationml/2006/main">
+  <p:cSld>
+    <p:spTree>
+      <p:nvGrpSpPr>
+        <p:cNvPr id="1" name=""/>
+        <p:cNvGrpSpPr/>
+        <p:nvPr/>
+      </p:nvGrpSpPr>
+      <p:grpSpPr>
+        <a:xfrm>
+          <a:off x="0" y="0"/>
+          <a:ext cx="0" cy="0"/>
+          <a:chOff x="0" y="0"/>
+          <a:chExt cx="0" cy="0"/>
+        </a:xfrm>
+      </p:grpSpPr>
+      <p:sp>
+        <p:nvSpPr>
+          <p:cNvPr id="2" name="Title 1">
+            <a:extLst>
+              <a:ext uri="{FF2B5EF4-FFF2-40B4-BE49-F238E27FC236}">
+                <a16:creationId xmlns:a16="http://schemas.microsoft.com/office/drawing/2014/main" id="{75507A8A-609D-6C10-E445-30134CDEB4E2}"/>
+              </a:ext>
+            </a:extLst>
+          </p:cNvPr>
+          <p:cNvSpPr>
+            <a:spLocks noGrp="1"/>
+          </p:cNvSpPr>
+          <p:nvPr>
+            <p:ph type="title"/>
+          </p:nvPr>
+        </p:nvSpPr>
+        <p:spPr/>
+        <p:txBody>
+          <a:bodyPr/>
+          <a:lstStyle/>
+          <a:p>
+            <a:endParaRPr lang="en-US"/>
+          </a:p>
+        </p:txBody>
+      </p:sp>
+      <p:sp>
+        <p:nvSpPr>
+          <p:cNvPr id="3" name="Content Placeholder 2">
+            <a:extLst>
+              <a:ext uri="{FF2B5EF4-FFF2-40B4-BE49-F238E27FC236}">
+                <a16:creationId xmlns:a16="http://schemas.microsoft.com/office/drawing/2014/main" id="{1AF0924D-378C-CC38-2F26-342DC29C72FB}"/>
+              </a:ext>
+            </a:extLst>
+          </p:cNvPr>
+          <p:cNvSpPr>
+            <a:spLocks noGrp="1"/>
+          </p:cNvSpPr>
+          <p:nvPr>
+            <p:ph idx="1"/>
+          </p:nvPr>
+        </p:nvSpPr>
+        <p:spPr/>
+        <p:txBody>
+          <a:bodyPr/>
+          <a:lstStyle/>
+          <a:p>
+            <a:endParaRPr lang="en-US"/>
+          </a:p>
+        </p:txBody>
+      </p:sp>
+      <p:pic>
+        <p:nvPicPr>
+          <p:cNvPr id="5" name="Picture 4">
+            <a:extLst>
+              <a:ext uri="{FF2B5EF4-FFF2-40B4-BE49-F238E27FC236}">
+                <a16:creationId xmlns:a16="http://schemas.microsoft.com/office/drawing/2014/main" id="{FCBC33A4-59BC-5BE9-A487-4D3A87788D5C}"/>
+              </a:ext>
+            </a:extLst>
+          </p:cNvPr>
+          <p:cNvPicPr>
+            <a:picLocks noChangeAspect="1"/>
+          </p:cNvPicPr>
+          <p:nvPr/>
+        </p:nvPicPr>
+        <p:blipFill>
+          <a:blip r:embed="rId2"/>
+          <a:stretch>
+            <a:fillRect/>
+          </a:stretch>
+        </p:blipFill>
+        <p:spPr>
+          <a:xfrm>
+            <a:off x="0" y="0"/>
+            <a:ext cx="12192000" cy="6858000"/>
+          </a:xfrm>
+          <a:prstGeom prst="rect">
+            <a:avLst/>
+          </a:prstGeom>
+        </p:spPr>
+      </p:pic>
+    </p:spTree>
+    <p:extLst>
+      <p:ext uri="{BB962C8B-B14F-4D97-AF65-F5344CB8AC3E}">
+        <p14:creationId xmlns:p14="http://schemas.microsoft.com/office/powerpoint/2010/main" val="1914542273"/>
+      </p:ext>
+    </p:extLst>
+  </p:cSld>
+  <p:clrMapOvr>
+    <a:masterClrMapping/>
+  </p:clrMapOvr>
+</p:sld>
+</file>
+
+<file path=ppt/slides/slide14.xml><?xml version="1.0" encoding="utf-8"?>
+<p:sld xmlns:a="http://schemas.openxmlformats.org/drawingml/2006/main" xmlns:r="http://schemas.openxmlformats.org/officeDocument/2006/relationships" xmlns:p="http://schemas.openxmlformats.org/presentationml/2006/main">
+  <p:cSld>
+    <p:spTree>
+      <p:nvGrpSpPr>
+        <p:cNvPr id="1" name=""/>
+        <p:cNvGrpSpPr/>
+        <p:nvPr/>
+      </p:nvGrpSpPr>
+      <p:grpSpPr>
+        <a:xfrm>
+          <a:off x="0" y="0"/>
+          <a:ext cx="0" cy="0"/>
+          <a:chOff x="0" y="0"/>
+          <a:chExt cx="0" cy="0"/>
+        </a:xfrm>
+      </p:grpSpPr>
+      <p:sp>
+        <p:nvSpPr>
+          <p:cNvPr id="2" name="Title 1">
+            <a:extLst>
+              <a:ext uri="{FF2B5EF4-FFF2-40B4-BE49-F238E27FC236}">
+                <a16:creationId xmlns:a16="http://schemas.microsoft.com/office/drawing/2014/main" id="{3E50E8B2-FAF3-6AEB-9610-F07EFA74BADA}"/>
+              </a:ext>
+            </a:extLst>
+          </p:cNvPr>
+          <p:cNvSpPr>
+            <a:spLocks noGrp="1"/>
+          </p:cNvSpPr>
+          <p:nvPr>
+            <p:ph type="title"/>
+          </p:nvPr>
+        </p:nvSpPr>
+        <p:spPr/>
+        <p:txBody>
+          <a:bodyPr/>
+          <a:lstStyle/>
+          <a:p>
+            <a:endParaRPr lang="en-US"/>
+          </a:p>
+        </p:txBody>
+      </p:sp>
+      <p:sp>
+        <p:nvSpPr>
+          <p:cNvPr id="3" name="Content Placeholder 2">
+            <a:extLst>
+              <a:ext uri="{FF2B5EF4-FFF2-40B4-BE49-F238E27FC236}">
+                <a16:creationId xmlns:a16="http://schemas.microsoft.com/office/drawing/2014/main" id="{E8893DBB-E3AB-1470-DF54-02E911819FC8}"/>
+              </a:ext>
+            </a:extLst>
+          </p:cNvPr>
+          <p:cNvSpPr>
+            <a:spLocks noGrp="1"/>
+          </p:cNvSpPr>
+          <p:nvPr>
+            <p:ph idx="1"/>
+          </p:nvPr>
+        </p:nvSpPr>
+        <p:spPr/>
+        <p:txBody>
+          <a:bodyPr/>
+          <a:lstStyle/>
+          <a:p>
+            <a:endParaRPr lang="en-US"/>
+          </a:p>
+        </p:txBody>
+      </p:sp>
+      <p:pic>
+        <p:nvPicPr>
+          <p:cNvPr id="5" name="Picture 4">
+            <a:extLst>
+              <a:ext uri="{FF2B5EF4-FFF2-40B4-BE49-F238E27FC236}">
+                <a16:creationId xmlns:a16="http://schemas.microsoft.com/office/drawing/2014/main" id="{3945EBF6-FF4D-743B-B2E1-726616598CB9}"/>
+              </a:ext>
+            </a:extLst>
+          </p:cNvPr>
+          <p:cNvPicPr>
+            <a:picLocks noChangeAspect="1"/>
+          </p:cNvPicPr>
+          <p:nvPr/>
+        </p:nvPicPr>
+        <p:blipFill>
+          <a:blip r:embed="rId2"/>
+          <a:stretch>
+            <a:fillRect/>
+          </a:stretch>
+        </p:blipFill>
+        <p:spPr>
+          <a:xfrm>
+            <a:off x="0" y="0"/>
+            <a:ext cx="12192000" cy="6858000"/>
+          </a:xfrm>
+          <a:prstGeom prst="rect">
+            <a:avLst/>
+          </a:prstGeom>
+        </p:spPr>
+      </p:pic>
+    </p:spTree>
+    <p:extLst>
+      <p:ext uri="{BB962C8B-B14F-4D97-AF65-F5344CB8AC3E}">
+        <p14:creationId xmlns:p14="http://schemas.microsoft.com/office/powerpoint/2010/main" val="1099022823"/>
+      </p:ext>
+    </p:extLst>
+  </p:cSld>
+  <p:clrMapOvr>
+    <a:masterClrMapping/>
+  </p:clrMapOvr>
+</p:sld>
+</file>
+
+<file path=ppt/slides/slide2.xml><?xml version="1.0" encoding="utf-8"?>
+<p:sld xmlns:a="http://schemas.openxmlformats.org/drawingml/2006/main" xmlns:r="http://schemas.openxmlformats.org/officeDocument/2006/relationships" xmlns:p="http://schemas.openxmlformats.org/presentationml/2006/main">
+  <p:cSld>
+    <p:spTree>
+      <p:nvGrpSpPr>
+        <p:cNvPr id="1" name=""/>
+        <p:cNvGrpSpPr/>
+        <p:nvPr/>
+      </p:nvGrpSpPr>
+      <p:grpSpPr>
+        <a:xfrm>
+          <a:off x="0" y="0"/>
+          <a:ext cx="0" cy="0"/>
+          <a:chOff x="0" y="0"/>
+          <a:chExt cx="0" cy="0"/>
+        </a:xfrm>
+      </p:grpSpPr>
+      <p:sp>
+        <p:nvSpPr>
+          <p:cNvPr id="2" name="Title 1">
+            <a:extLst>
+              <a:ext uri="{FF2B5EF4-FFF2-40B4-BE49-F238E27FC236}">
+                <a16:creationId xmlns:a16="http://schemas.microsoft.com/office/drawing/2014/main" id="{30919569-DCCF-6881-FF56-A5A6CB335737}"/>
+              </a:ext>
+            </a:extLst>
+          </p:cNvPr>
+          <p:cNvSpPr>
+            <a:spLocks noGrp="1"/>
+          </p:cNvSpPr>
+          <p:nvPr>
+            <p:ph type="title"/>
+          </p:nvPr>
+        </p:nvSpPr>
+        <p:spPr/>
+        <p:txBody>
+          <a:bodyPr/>
+          <a:lstStyle/>
+          <a:p>
+            <a:endParaRPr lang="en-US"/>
+          </a:p>
+        </p:txBody>
+      </p:sp>
+      <p:sp>
+        <p:nvSpPr>
+          <p:cNvPr id="3" name="Content Placeholder 2">
+            <a:extLst>
+              <a:ext uri="{FF2B5EF4-FFF2-40B4-BE49-F238E27FC236}">
+                <a16:creationId xmlns:a16="http://schemas.microsoft.com/office/drawing/2014/main" id="{4F8EEB92-726C-05DA-5E7F-F9EBC463F76A}"/>
+              </a:ext>
+            </a:extLst>
+          </p:cNvPr>
+          <p:cNvSpPr>
+            <a:spLocks noGrp="1"/>
+          </p:cNvSpPr>
+          <p:nvPr>
+            <p:ph idx="1"/>
+          </p:nvPr>
+        </p:nvSpPr>
+        <p:spPr/>
+        <p:txBody>
+          <a:bodyPr/>
+          <a:lstStyle/>
+          <a:p>
+            <a:endParaRPr lang="en-US"/>
+          </a:p>
+        </p:txBody>
+      </p:sp>
+      <p:pic>
+        <p:nvPicPr>
+          <p:cNvPr id="5" name="Picture 4">
+            <a:extLst>
+              <a:ext uri="{FF2B5EF4-FFF2-40B4-BE49-F238E27FC236}">
+                <a16:creationId xmlns:a16="http://schemas.microsoft.com/office/drawing/2014/main" id="{90D9A557-FB0A-CDC4-FC5A-DF45B94CD382}"/>
+              </a:ext>
+            </a:extLst>
+          </p:cNvPr>
+          <p:cNvPicPr>
+            <a:picLocks noChangeAspect="1"/>
+          </p:cNvPicPr>
+          <p:nvPr/>
+        </p:nvPicPr>
+        <p:blipFill>
+          <a:blip r:embed="rId2"/>
+          <a:stretch>
+            <a:fillRect/>
+          </a:stretch>
+        </p:blipFill>
+        <p:spPr>
+          <a:xfrm>
+            <a:off x="0" y="0"/>
+            <a:ext cx="12192000" cy="6858000"/>
+          </a:xfrm>
+          <a:prstGeom prst="rect">
+            <a:avLst/>
+          </a:prstGeom>
+        </p:spPr>
+      </p:pic>
+    </p:spTree>
+    <p:extLst>
+      <p:ext uri="{BB962C8B-B14F-4D97-AF65-F5344CB8AC3E}">
+        <p14:creationId xmlns:p14="http://schemas.microsoft.com/office/powerpoint/2010/main" val="1311749760"/>
+      </p:ext>
+    </p:extLst>
+  </p:cSld>
+  <p:clrMapOvr>
+    <a:masterClrMapping/>
+  </p:clrMapOvr>
+</p:sld>
+</file>
+
+<file path=ppt/slides/slide3.xml><?xml version="1.0" encoding="utf-8"?>
+<p:sld xmlns:a="http://schemas.openxmlformats.org/drawingml/2006/main" xmlns:r="http://schemas.openxmlformats.org/officeDocument/2006/relationships" xmlns:p="http://schemas.openxmlformats.org/presentationml/2006/main">
+  <p:cSld>
+    <p:spTree>
+      <p:nvGrpSpPr>
+        <p:cNvPr id="1" name=""/>
+        <p:cNvGrpSpPr/>
+        <p:nvPr/>
+      </p:nvGrpSpPr>
+      <p:grpSpPr>
+        <a:xfrm>
+          <a:off x="0" y="0"/>
+          <a:ext cx="0" cy="0"/>
+          <a:chOff x="0" y="0"/>
+          <a:chExt cx="0" cy="0"/>
+        </a:xfrm>
+      </p:grpSpPr>
+      <p:sp>
+        <p:nvSpPr>
+          <p:cNvPr id="2" name="Title 1">
+            <a:extLst>
+              <a:ext uri="{FF2B5EF4-FFF2-40B4-BE49-F238E27FC236}">
+                <a16:creationId xmlns:a16="http://schemas.microsoft.com/office/drawing/2014/main" id="{9EA893E6-4B2E-895A-7C65-F806240287E2}"/>
+              </a:ext>
+            </a:extLst>
+          </p:cNvPr>
+          <p:cNvSpPr>
+            <a:spLocks noGrp="1"/>
+          </p:cNvSpPr>
+          <p:nvPr>
+            <p:ph type="title"/>
+          </p:nvPr>
+        </p:nvSpPr>
+        <p:spPr/>
+        <p:txBody>
+          <a:bodyPr/>
+          <a:lstStyle/>
+          <a:p>
+            <a:endParaRPr lang="en-US"/>
+          </a:p>
+        </p:txBody>
+      </p:sp>
+      <p:sp>
+        <p:nvSpPr>
+          <p:cNvPr id="3" name="Content Placeholder 2">
+            <a:extLst>
+              <a:ext uri="{FF2B5EF4-FFF2-40B4-BE49-F238E27FC236}">
+                <a16:creationId xmlns:a16="http://schemas.microsoft.com/office/drawing/2014/main" id="{3DE9B626-DD17-944D-C4C2-247D4E91E4E6}"/>
+              </a:ext>
+            </a:extLst>
+          </p:cNvPr>
+          <p:cNvSpPr>
+            <a:spLocks noGrp="1"/>
+          </p:cNvSpPr>
+          <p:nvPr>
+            <p:ph idx="1"/>
+          </p:nvPr>
+        </p:nvSpPr>
+        <p:spPr/>
+        <p:txBody>
+          <a:bodyPr/>
+          <a:lstStyle/>
+          <a:p>
+            <a:endParaRPr lang="en-US"/>
+          </a:p>
+        </p:txBody>
+      </p:sp>
+      <p:pic>
+        <p:nvPicPr>
+          <p:cNvPr id="5" name="Picture 4">
+            <a:extLst>
+              <a:ext uri="{FF2B5EF4-FFF2-40B4-BE49-F238E27FC236}">
+                <a16:creationId xmlns:a16="http://schemas.microsoft.com/office/drawing/2014/main" id="{1970B95D-4388-8DCF-9381-E9235DAB4E46}"/>
+              </a:ext>
+            </a:extLst>
+          </p:cNvPr>
+          <p:cNvPicPr>
+            <a:picLocks noChangeAspect="1"/>
+          </p:cNvPicPr>
+          <p:nvPr/>
+        </p:nvPicPr>
+        <p:blipFill>
+          <a:blip r:embed="rId2"/>
+          <a:stretch>
+            <a:fillRect/>
+          </a:stretch>
+        </p:blipFill>
+        <p:spPr>
+          <a:xfrm>
+            <a:off x="0" y="0"/>
+            <a:ext cx="12192000" cy="6858000"/>
+          </a:xfrm>
+          <a:prstGeom prst="rect">
+            <a:avLst/>
+          </a:prstGeom>
+        </p:spPr>
+      </p:pic>
+      <p:pic>
+        <p:nvPicPr>
+          <p:cNvPr id="7" name="Picture 6">
+            <a:extLst>
+              <a:ext uri="{FF2B5EF4-FFF2-40B4-BE49-F238E27FC236}">
+                <a16:creationId xmlns:a16="http://schemas.microsoft.com/office/drawing/2014/main" id="{8BEF0248-A891-D3E9-31F1-F782E206C1AE}"/>
+              </a:ext>
+            </a:extLst>
+          </p:cNvPr>
+          <p:cNvPicPr>
+            <a:picLocks noChangeAspect="1"/>
+          </p:cNvPicPr>
+          <p:nvPr/>
+        </p:nvPicPr>
+        <p:blipFill>
+          <a:blip r:embed="rId3"/>
+          <a:stretch>
+            <a:fillRect/>
+          </a:stretch>
+        </p:blipFill>
+        <p:spPr>
+          <a:xfrm>
+            <a:off x="0" y="0"/>
+            <a:ext cx="12192000" cy="6858000"/>
+          </a:xfrm>
+          <a:prstGeom prst="rect">
+            <a:avLst/>
+          </a:prstGeom>
+        </p:spPr>
+      </p:pic>
+    </p:spTree>
+    <p:extLst>
+      <p:ext uri="{BB962C8B-B14F-4D97-AF65-F5344CB8AC3E}">
+        <p14:creationId xmlns:p14="http://schemas.microsoft.com/office/powerpoint/2010/main" val="459187353"/>
+      </p:ext>
+    </p:extLst>
+  </p:cSld>
+  <p:clrMapOvr>
+    <a:masterClrMapping/>
+  </p:clrMapOvr>
+</p:sld>
+</file>
+
+<file path=ppt/slides/slide4.xml><?xml version="1.0" encoding="utf-8"?>
+<p:sld xmlns:a="http://schemas.openxmlformats.org/drawingml/2006/main" xmlns:r="http://schemas.openxmlformats.org/officeDocument/2006/relationships" xmlns:p="http://schemas.openxmlformats.org/presentationml/2006/main">
+  <p:cSld>
+    <p:spTree>
+      <p:nvGrpSpPr>
+        <p:cNvPr id="1" name=""/>
+        <p:cNvGrpSpPr/>
+        <p:nvPr/>
+      </p:nvGrpSpPr>
+      <p:grpSpPr>
+        <a:xfrm>
+          <a:off x="0" y="0"/>
+          <a:ext cx="0" cy="0"/>
+          <a:chOff x="0" y="0"/>
+          <a:chExt cx="0" cy="0"/>
+        </a:xfrm>
+      </p:grpSpPr>
+      <p:sp>
+        <p:nvSpPr>
+          <p:cNvPr id="2" name="Title 1">
+            <a:extLst>
+              <a:ext uri="{FF2B5EF4-FFF2-40B4-BE49-F238E27FC236}">
+                <a16:creationId xmlns:a16="http://schemas.microsoft.com/office/drawing/2014/main" id="{DBB1F0B4-6A2B-F0C1-5C74-C466F3F593F7}"/>
+              </a:ext>
+            </a:extLst>
+          </p:cNvPr>
+          <p:cNvSpPr>
+            <a:spLocks noGrp="1"/>
+          </p:cNvSpPr>
+          <p:nvPr>
+            <p:ph type="title"/>
+          </p:nvPr>
+        </p:nvSpPr>
+        <p:spPr/>
+        <p:txBody>
+          <a:bodyPr/>
+          <a:lstStyle/>
+          <a:p>
+            <a:endParaRPr lang="en-US"/>
+          </a:p>
+        </p:txBody>
+      </p:sp>
+      <p:sp>
+        <p:nvSpPr>
+          <p:cNvPr id="3" name="Content Placeholder 2">
+            <a:extLst>
+              <a:ext uri="{FF2B5EF4-FFF2-40B4-BE49-F238E27FC236}">
+                <a16:creationId xmlns:a16="http://schemas.microsoft.com/office/drawing/2014/main" id="{FE0AC5A3-9EA2-127D-A4F8-4166B964DE81}"/>
+              </a:ext>
+            </a:extLst>
+          </p:cNvPr>
+          <p:cNvSpPr>
+            <a:spLocks noGrp="1"/>
+          </p:cNvSpPr>
+          <p:nvPr>
+            <p:ph idx="1"/>
+          </p:nvPr>
+        </p:nvSpPr>
+        <p:spPr/>
+        <p:txBody>
+          <a:bodyPr/>
+          <a:lstStyle/>
+          <a:p>
+            <a:endParaRPr lang="en-US"/>
+          </a:p>
+        </p:txBody>
+      </p:sp>
+      <p:pic>
+        <p:nvPicPr>
+          <p:cNvPr id="5" name="Picture 4">
+            <a:extLst>
+              <a:ext uri="{FF2B5EF4-FFF2-40B4-BE49-F238E27FC236}">
+                <a16:creationId xmlns:a16="http://schemas.microsoft.com/office/drawing/2014/main" id="{F50CCC07-0FD9-6280-EC0C-FAD1E7635B0C}"/>
+              </a:ext>
+            </a:extLst>
+          </p:cNvPr>
+          <p:cNvPicPr>
+            <a:picLocks noChangeAspect="1"/>
+          </p:cNvPicPr>
+          <p:nvPr/>
+        </p:nvPicPr>
+        <p:blipFill>
+          <a:blip r:embed="rId2"/>
+          <a:stretch>
+            <a:fillRect/>
+          </a:stretch>
+        </p:blipFill>
+        <p:spPr>
+          <a:xfrm>
+            <a:off x="0" y="0"/>
+            <a:ext cx="12192000" cy="6858000"/>
+          </a:xfrm>
+          <a:prstGeom prst="rect">
+            <a:avLst/>
+          </a:prstGeom>
+        </p:spPr>
+      </p:pic>
+    </p:spTree>
+    <p:extLst>
+      <p:ext uri="{BB962C8B-B14F-4D97-AF65-F5344CB8AC3E}">
+        <p14:creationId xmlns:p14="http://schemas.microsoft.com/office/powerpoint/2010/main" val="443747291"/>
+      </p:ext>
+    </p:extLst>
+  </p:cSld>
+  <p:clrMapOvr>
+    <a:masterClrMapping/>
+  </p:clrMapOvr>
+</p:sld>
+</file>
+
+<file path=ppt/slides/slide5.xml><?xml version="1.0" encoding="utf-8"?>
+<p:sld xmlns:a="http://schemas.openxmlformats.org/drawingml/2006/main" xmlns:r="http://schemas.openxmlformats.org/officeDocument/2006/relationships" xmlns:p="http://schemas.openxmlformats.org/presentationml/2006/main">
+  <p:cSld>
+    <p:spTree>
+      <p:nvGrpSpPr>
+        <p:cNvPr id="1" name=""/>
+        <p:cNvGrpSpPr/>
+        <p:nvPr/>
+      </p:nvGrpSpPr>
+      <p:grpSpPr>
+        <a:xfrm>
+          <a:off x="0" y="0"/>
+          <a:ext cx="0" cy="0"/>
+          <a:chOff x="0" y="0"/>
+          <a:chExt cx="0" cy="0"/>
+        </a:xfrm>
+      </p:grpSpPr>
+      <p:sp>
+        <p:nvSpPr>
+          <p:cNvPr id="2" name="Title 1">
+            <a:extLst>
+              <a:ext uri="{FF2B5EF4-FFF2-40B4-BE49-F238E27FC236}">
+                <a16:creationId xmlns:a16="http://schemas.microsoft.com/office/drawing/2014/main" id="{5CF04661-C0E2-E4E0-A250-639882EC77E1}"/>
+              </a:ext>
+            </a:extLst>
+          </p:cNvPr>
+          <p:cNvSpPr>
+            <a:spLocks noGrp="1"/>
+          </p:cNvSpPr>
+          <p:nvPr>
+            <p:ph type="title"/>
+          </p:nvPr>
+        </p:nvSpPr>
+        <p:spPr/>
+        <p:txBody>
+          <a:bodyPr/>
+          <a:lstStyle/>
+          <a:p>
+            <a:endParaRPr lang="en-US"/>
+          </a:p>
+        </p:txBody>
+      </p:sp>
+      <p:sp>
+        <p:nvSpPr>
+          <p:cNvPr id="3" name="Content Placeholder 2">
+            <a:extLst>
+              <a:ext uri="{FF2B5EF4-FFF2-40B4-BE49-F238E27FC236}">
+                <a16:creationId xmlns:a16="http://schemas.microsoft.com/office/drawing/2014/main" id="{750C2EC4-5358-3B89-0A47-CC3F396FE64D}"/>
+              </a:ext>
+            </a:extLst>
+          </p:cNvPr>
+          <p:cNvSpPr>
+            <a:spLocks noGrp="1"/>
+          </p:cNvSpPr>
+          <p:nvPr>
+            <p:ph idx="1"/>
+          </p:nvPr>
+        </p:nvSpPr>
+        <p:spPr/>
+        <p:txBody>
+          <a:bodyPr/>
+          <a:lstStyle/>
+          <a:p>
+            <a:endParaRPr lang="en-US"/>
+          </a:p>
+        </p:txBody>
+      </p:sp>
+      <p:pic>
+        <p:nvPicPr>
+          <p:cNvPr id="5" name="Picture 4">
+            <a:extLst>
+              <a:ext uri="{FF2B5EF4-FFF2-40B4-BE49-F238E27FC236}">
+                <a16:creationId xmlns:a16="http://schemas.microsoft.com/office/drawing/2014/main" id="{81312EAA-EC02-F6C6-B777-96BBE761207E}"/>
+              </a:ext>
+            </a:extLst>
+          </p:cNvPr>
+          <p:cNvPicPr>
+            <a:picLocks noChangeAspect="1"/>
+          </p:cNvPicPr>
+          <p:nvPr/>
+        </p:nvPicPr>
+        <p:blipFill>
+          <a:blip r:embed="rId2"/>
+          <a:stretch>
+            <a:fillRect/>
+          </a:stretch>
+        </p:blipFill>
+        <p:spPr>
+          <a:xfrm>
+            <a:off x="0" y="0"/>
+            <a:ext cx="12192000" cy="6858000"/>
+          </a:xfrm>
+          <a:prstGeom prst="rect">
+            <a:avLst/>
+          </a:prstGeom>
+        </p:spPr>
+      </p:pic>
+    </p:spTree>
+    <p:extLst>
+      <p:ext uri="{BB962C8B-B14F-4D97-AF65-F5344CB8AC3E}">
+        <p14:creationId xmlns:p14="http://schemas.microsoft.com/office/powerpoint/2010/main" val="719204323"/>
+      </p:ext>
+    </p:extLst>
+  </p:cSld>
+  <p:clrMapOvr>
+    <a:masterClrMapping/>
+  </p:clrMapOvr>
+</p:sld>
+</file>
+
+<file path=ppt/slides/slide6.xml><?xml version="1.0" encoding="utf-8"?>
+<p:sld xmlns:a="http://schemas.openxmlformats.org/drawingml/2006/main" xmlns:r="http://schemas.openxmlformats.org/officeDocument/2006/relationships" xmlns:p="http://schemas.openxmlformats.org/presentationml/2006/main">
+  <p:cSld>
+    <p:spTree>
+      <p:nvGrpSpPr>
+        <p:cNvPr id="1" name=""/>
+        <p:cNvGrpSpPr/>
+        <p:nvPr/>
+      </p:nvGrpSpPr>
+      <p:grpSpPr>
+        <a:xfrm>
+          <a:off x="0" y="0"/>
+          <a:ext cx="0" cy="0"/>
+          <a:chOff x="0" y="0"/>
+          <a:chExt cx="0" cy="0"/>
+        </a:xfrm>
+      </p:grpSpPr>
+      <p:sp>
+        <p:nvSpPr>
+          <p:cNvPr id="2" name="Title 1">
+            <a:extLst>
+              <a:ext uri="{FF2B5EF4-FFF2-40B4-BE49-F238E27FC236}">
+                <a16:creationId xmlns:a16="http://schemas.microsoft.com/office/drawing/2014/main" id="{DF236ED3-5DA3-1EB2-1739-38D7A2264F52}"/>
+              </a:ext>
+            </a:extLst>
+          </p:cNvPr>
+          <p:cNvSpPr>
+            <a:spLocks noGrp="1"/>
+          </p:cNvSpPr>
+          <p:nvPr>
+            <p:ph type="title"/>
+          </p:nvPr>
+        </p:nvSpPr>
+        <p:spPr/>
+        <p:txBody>
+          <a:bodyPr/>
+          <a:lstStyle/>
+          <a:p>
+            <a:endParaRPr lang="en-US"/>
+          </a:p>
+        </p:txBody>
+      </p:sp>
+      <p:sp>
+        <p:nvSpPr>
+          <p:cNvPr id="3" name="Content Placeholder 2">
+            <a:extLst>
+              <a:ext uri="{FF2B5EF4-FFF2-40B4-BE49-F238E27FC236}">
+                <a16:creationId xmlns:a16="http://schemas.microsoft.com/office/drawing/2014/main" id="{3569B51A-4F54-36D1-BCB3-C354AEEC9182}"/>
+              </a:ext>
+            </a:extLst>
+          </p:cNvPr>
+          <p:cNvSpPr>
+            <a:spLocks noGrp="1"/>
+          </p:cNvSpPr>
+          <p:nvPr>
+            <p:ph idx="1"/>
+          </p:nvPr>
+        </p:nvSpPr>
+        <p:spPr/>
+        <p:txBody>
+          <a:bodyPr/>
+          <a:lstStyle/>
+          <a:p>
+            <a:endParaRPr lang="en-US"/>
+          </a:p>
+        </p:txBody>
+      </p:sp>
+      <p:pic>
+        <p:nvPicPr>
+          <p:cNvPr id="5" name="Picture 4">
+            <a:extLst>
+              <a:ext uri="{FF2B5EF4-FFF2-40B4-BE49-F238E27FC236}">
+                <a16:creationId xmlns:a16="http://schemas.microsoft.com/office/drawing/2014/main" id="{3291A44A-647E-6142-87A4-37F9E7DFFF79}"/>
+              </a:ext>
+            </a:extLst>
+          </p:cNvPr>
+          <p:cNvPicPr>
+            <a:picLocks noChangeAspect="1"/>
+          </p:cNvPicPr>
+          <p:nvPr/>
+        </p:nvPicPr>
+        <p:blipFill>
+          <a:blip r:embed="rId2"/>
+          <a:stretch>
+            <a:fillRect/>
+          </a:stretch>
+        </p:blipFill>
+        <p:spPr>
+          <a:xfrm>
+            <a:off x="0" y="0"/>
+            <a:ext cx="12192000" cy="6858000"/>
+          </a:xfrm>
+          <a:prstGeom prst="rect">
+            <a:avLst/>
+          </a:prstGeom>
+        </p:spPr>
+      </p:pic>
+    </p:spTree>
+    <p:extLst>
+      <p:ext uri="{BB962C8B-B14F-4D97-AF65-F5344CB8AC3E}">
+        <p14:creationId xmlns:p14="http://schemas.microsoft.com/office/powerpoint/2010/main" val="87193261"/>
+      </p:ext>
+    </p:extLst>
+  </p:cSld>
+  <p:clrMapOvr>
+    <a:masterClrMapping/>
+  </p:clrMapOvr>
+</p:sld>
+</file>
+
+<file path=ppt/slides/slide7.xml><?xml version="1.0" encoding="utf-8"?>
+<p:sld xmlns:a="http://schemas.openxmlformats.org/drawingml/2006/main" xmlns:r="http://schemas.openxmlformats.org/officeDocument/2006/relationships" xmlns:p="http://schemas.openxmlformats.org/presentationml/2006/main">
+  <p:cSld>
+    <p:spTree>
+      <p:nvGrpSpPr>
+        <p:cNvPr id="1" name=""/>
+        <p:cNvGrpSpPr/>
+        <p:nvPr/>
+      </p:nvGrpSpPr>
+      <p:grpSpPr>
+        <a:xfrm>
+          <a:off x="0" y="0"/>
+          <a:ext cx="0" cy="0"/>
+          <a:chOff x="0" y="0"/>
+          <a:chExt cx="0" cy="0"/>
+        </a:xfrm>
+      </p:grpSpPr>
+      <p:sp>
+        <p:nvSpPr>
+          <p:cNvPr id="2" name="Title 1">
+            <a:extLst>
+              <a:ext uri="{FF2B5EF4-FFF2-40B4-BE49-F238E27FC236}">
+                <a16:creationId xmlns:a16="http://schemas.microsoft.com/office/drawing/2014/main" id="{189DCBE7-EF72-86A2-38C6-1D115D658C26}"/>
+              </a:ext>
+            </a:extLst>
+          </p:cNvPr>
+          <p:cNvSpPr>
+            <a:spLocks noGrp="1"/>
+          </p:cNvSpPr>
+          <p:nvPr>
+            <p:ph type="title"/>
+          </p:nvPr>
+        </p:nvSpPr>
+        <p:spPr/>
+        <p:txBody>
+          <a:bodyPr/>
+          <a:lstStyle/>
+          <a:p>
+            <a:endParaRPr lang="en-US"/>
+          </a:p>
+        </p:txBody>
+      </p:sp>
+      <p:sp>
+        <p:nvSpPr>
+          <p:cNvPr id="3" name="Content Placeholder 2">
+            <a:extLst>
+              <a:ext uri="{FF2B5EF4-FFF2-40B4-BE49-F238E27FC236}">
+                <a16:creationId xmlns:a16="http://schemas.microsoft.com/office/drawing/2014/main" id="{F2D62CB1-F0D2-B9DB-A2E4-6F99447235FE}"/>
+              </a:ext>
+            </a:extLst>
+          </p:cNvPr>
+          <p:cNvSpPr>
+            <a:spLocks noGrp="1"/>
+          </p:cNvSpPr>
+          <p:nvPr>
+            <p:ph idx="1"/>
+          </p:nvPr>
+        </p:nvSpPr>
+        <p:spPr/>
+        <p:txBody>
+          <a:bodyPr/>
+          <a:lstStyle/>
+          <a:p>
+            <a:endParaRPr lang="en-US"/>
+          </a:p>
+        </p:txBody>
+      </p:sp>
+      <p:pic>
+        <p:nvPicPr>
+          <p:cNvPr id="5" name="Picture 4">
+            <a:extLst>
+              <a:ext uri="{FF2B5EF4-FFF2-40B4-BE49-F238E27FC236}">
+                <a16:creationId xmlns:a16="http://schemas.microsoft.com/office/drawing/2014/main" id="{FE306BBD-07DC-2F0F-1D13-9706E49810E5}"/>
+              </a:ext>
+            </a:extLst>
+          </p:cNvPr>
+          <p:cNvPicPr>
+            <a:picLocks noChangeAspect="1"/>
+          </p:cNvPicPr>
+          <p:nvPr/>
+        </p:nvPicPr>
+        <p:blipFill>
+          <a:blip r:embed="rId2"/>
+          <a:stretch>
+            <a:fillRect/>
+          </a:stretch>
+        </p:blipFill>
+        <p:spPr>
+          <a:xfrm>
+            <a:off x="0" y="0"/>
+            <a:ext cx="12192000" cy="6858000"/>
+          </a:xfrm>
+          <a:prstGeom prst="rect">
+            <a:avLst/>
+          </a:prstGeom>
+        </p:spPr>
+      </p:pic>
+    </p:spTree>
+    <p:extLst>
+      <p:ext uri="{BB962C8B-B14F-4D97-AF65-F5344CB8AC3E}">
+        <p14:creationId xmlns:p14="http://schemas.microsoft.com/office/powerpoint/2010/main" val="2690558266"/>
+      </p:ext>
+    </p:extLst>
+  </p:cSld>
+  <p:clrMapOvr>
+    <a:masterClrMapping/>
+  </p:clrMapOvr>
+</p:sld>
+</file>
+
+<file path=ppt/slides/slide8.xml><?xml version="1.0" encoding="utf-8"?>
+<p:sld xmlns:a="http://schemas.openxmlformats.org/drawingml/2006/main" xmlns:r="http://schemas.openxmlformats.org/officeDocument/2006/relationships" xmlns:p="http://schemas.openxmlformats.org/presentationml/2006/main">
+  <p:cSld>
+    <p:spTree>
+      <p:nvGrpSpPr>
+        <p:cNvPr id="1" name=""/>
+        <p:cNvGrpSpPr/>
+        <p:nvPr/>
+      </p:nvGrpSpPr>
+      <p:grpSpPr>
+        <a:xfrm>
+          <a:off x="0" y="0"/>
+          <a:ext cx="0" cy="0"/>
+          <a:chOff x="0" y="0"/>
+          <a:chExt cx="0" cy="0"/>
+        </a:xfrm>
+      </p:grpSpPr>
+      <p:sp>
+        <p:nvSpPr>
+          <p:cNvPr id="2" name="Title 1">
+            <a:extLst>
+              <a:ext uri="{FF2B5EF4-FFF2-40B4-BE49-F238E27FC236}">
+                <a16:creationId xmlns:a16="http://schemas.microsoft.com/office/drawing/2014/main" id="{3F225310-186C-8A32-3269-4C1E33819649}"/>
+              </a:ext>
+            </a:extLst>
+          </p:cNvPr>
+          <p:cNvSpPr>
+            <a:spLocks noGrp="1"/>
+          </p:cNvSpPr>
+          <p:nvPr>
+            <p:ph type="title"/>
+          </p:nvPr>
+        </p:nvSpPr>
+        <p:spPr/>
+        <p:txBody>
+          <a:bodyPr/>
+          <a:lstStyle/>
+          <a:p>
+            <a:endParaRPr lang="en-US"/>
+          </a:p>
+        </p:txBody>
+      </p:sp>
+      <p:sp>
+        <p:nvSpPr>
+          <p:cNvPr id="3" name="Content Placeholder 2">
+            <a:extLst>
+              <a:ext uri="{FF2B5EF4-FFF2-40B4-BE49-F238E27FC236}">
+                <a16:creationId xmlns:a16="http://schemas.microsoft.com/office/drawing/2014/main" id="{15D48936-CA80-E472-0574-8AC9EABFA068}"/>
+              </a:ext>
+            </a:extLst>
+          </p:cNvPr>
+          <p:cNvSpPr>
+            <a:spLocks noGrp="1"/>
+          </p:cNvSpPr>
+          <p:nvPr>
+            <p:ph idx="1"/>
+          </p:nvPr>
+        </p:nvSpPr>
+        <p:spPr/>
+        <p:txBody>
+          <a:bodyPr/>
+          <a:lstStyle/>
+          <a:p>
+            <a:endParaRPr lang="en-US"/>
+          </a:p>
+        </p:txBody>
+      </p:sp>
+      <p:pic>
+        <p:nvPicPr>
+          <p:cNvPr id="5" name="Picture 4">
+            <a:extLst>
+              <a:ext uri="{FF2B5EF4-FFF2-40B4-BE49-F238E27FC236}">
+                <a16:creationId xmlns:a16="http://schemas.microsoft.com/office/drawing/2014/main" id="{75874C1F-5949-6709-4D10-01A4E612D284}"/>
+              </a:ext>
+            </a:extLst>
+          </p:cNvPr>
+          <p:cNvPicPr>
+            <a:picLocks noChangeAspect="1"/>
+          </p:cNvPicPr>
+          <p:nvPr/>
+        </p:nvPicPr>
+        <p:blipFill>
+          <a:blip r:embed="rId2"/>
+          <a:stretch>
+            <a:fillRect/>
+          </a:stretch>
+        </p:blipFill>
+        <p:spPr>
+          <a:xfrm>
+            <a:off x="0" y="0"/>
+            <a:ext cx="12192000" cy="6858000"/>
+          </a:xfrm>
+          <a:prstGeom prst="rect">
+            <a:avLst/>
+          </a:prstGeom>
+        </p:spPr>
+      </p:pic>
+    </p:spTree>
+    <p:extLst>
+      <p:ext uri="{BB962C8B-B14F-4D97-AF65-F5344CB8AC3E}">
+        <p14:creationId xmlns:p14="http://schemas.microsoft.com/office/powerpoint/2010/main" val="469747597"/>
+      </p:ext>
+    </p:extLst>
+  </p:cSld>
+  <p:clrMapOvr>
+    <a:masterClrMapping/>
+  </p:clrMapOvr>
+</p:sld>
+</file>
+
+<file path=ppt/slides/slide9.xml><?xml version="1.0" encoding="utf-8"?>
+<p:sld xmlns:a="http://schemas.openxmlformats.org/drawingml/2006/main" xmlns:r="http://schemas.openxmlformats.org/officeDocument/2006/relationships" xmlns:p="http://schemas.openxmlformats.org/presentationml/2006/main">
+  <p:cSld>
+    <p:spTree>
+      <p:nvGrpSpPr>
+        <p:cNvPr id="1" name=""/>
+        <p:cNvGrpSpPr/>
+        <p:nvPr/>
+      </p:nvGrpSpPr>
+      <p:grpSpPr>
+        <a:xfrm>
+          <a:off x="0" y="0"/>
+          <a:ext cx="0" cy="0"/>
+          <a:chOff x="0" y="0"/>
+          <a:chExt cx="0" cy="0"/>
+        </a:xfrm>
+      </p:grpSpPr>
+      <p:sp>
+        <p:nvSpPr>
+          <p:cNvPr id="2" name="Title 1">
+            <a:extLst>
+              <a:ext uri="{FF2B5EF4-FFF2-40B4-BE49-F238E27FC236}">
+                <a16:creationId xmlns:a16="http://schemas.microsoft.com/office/drawing/2014/main" id="{3F325771-82EB-64DD-5E52-93C6095C51FD}"/>
+              </a:ext>
+            </a:extLst>
+          </p:cNvPr>
+          <p:cNvSpPr>
+            <a:spLocks noGrp="1"/>
+          </p:cNvSpPr>
+          <p:nvPr>
+            <p:ph type="title"/>
+          </p:nvPr>
+        </p:nvSpPr>
+        <p:spPr/>
+        <p:txBody>
+          <a:bodyPr/>
+          <a:lstStyle/>
+          <a:p>
+            <a:endParaRPr lang="en-US"/>
+          </a:p>
+        </p:txBody>
+      </p:sp>
+      <p:sp>
+        <p:nvSpPr>
+          <p:cNvPr id="3" name="Content Placeholder 2">
+            <a:extLst>
+              <a:ext uri="{FF2B5EF4-FFF2-40B4-BE49-F238E27FC236}">
+                <a16:creationId xmlns:a16="http://schemas.microsoft.com/office/drawing/2014/main" id="{EB9DB467-5D1F-9B71-0753-769BEC3C4A3E}"/>
+              </a:ext>
+            </a:extLst>
+          </p:cNvPr>
+          <p:cNvSpPr>
+            <a:spLocks noGrp="1"/>
+          </p:cNvSpPr>
+          <p:nvPr>
+            <p:ph idx="1"/>
+          </p:nvPr>
+        </p:nvSpPr>
+        <p:spPr/>
+        <p:txBody>
+          <a:bodyPr/>
+          <a:lstStyle/>
+          <a:p>
+            <a:endParaRPr lang="en-US"/>
+          </a:p>
+        </p:txBody>
+      </p:sp>
+      <p:pic>
+        <p:nvPicPr>
+          <p:cNvPr id="5" name="Picture 4">
+            <a:extLst>
+              <a:ext uri="{FF2B5EF4-FFF2-40B4-BE49-F238E27FC236}">
+                <a16:creationId xmlns:a16="http://schemas.microsoft.com/office/drawing/2014/main" id="{DD9AAA3D-63C2-AF62-2AE0-8C2A1DCBD639}"/>
+              </a:ext>
+            </a:extLst>
+          </p:cNvPr>
+          <p:cNvPicPr>
+            <a:picLocks noChangeAspect="1"/>
+          </p:cNvPicPr>
+          <p:nvPr/>
+        </p:nvPicPr>
+        <p:blipFill>
+          <a:blip r:embed="rId2"/>
+          <a:stretch>
+            <a:fillRect/>
+          </a:stretch>
+        </p:blipFill>
+        <p:spPr>
+          <a:xfrm>
+            <a:off x="0" y="0"/>
+            <a:ext cx="12192000" cy="6858000"/>
+          </a:xfrm>
+          <a:prstGeom prst="rect">
+            <a:avLst/>
+          </a:prstGeom>
+        </p:spPr>
+      </p:pic>
+    </p:spTree>
+    <p:extLst>
+      <p:ext uri="{BB962C8B-B14F-4D97-AF65-F5344CB8AC3E}">
+        <p14:creationId xmlns:p14="http://schemas.microsoft.com/office/powerpoint/2010/main" val="3002704431"/>
       </p:ext>
     </p:extLst>
   </p:cSld>
